--- a/documents/588_6_demo ppt2.pptx
+++ b/documents/588_6_demo ppt2.pptx
@@ -6,6 +6,21 @@
   </p:sldMasterIdLst>
   <p:sldIdLst>
     <p:sldId id="256" r:id="rId2"/>
+    <p:sldId id="258" r:id="rId3"/>
+    <p:sldId id="259" r:id="rId4"/>
+    <p:sldId id="260" r:id="rId5"/>
+    <p:sldId id="261" r:id="rId6"/>
+    <p:sldId id="262" r:id="rId7"/>
+    <p:sldId id="263" r:id="rId8"/>
+    <p:sldId id="264" r:id="rId9"/>
+    <p:sldId id="265" r:id="rId10"/>
+    <p:sldId id="266" r:id="rId11"/>
+    <p:sldId id="267" r:id="rId12"/>
+    <p:sldId id="268" r:id="rId13"/>
+    <p:sldId id="269" r:id="rId14"/>
+    <p:sldId id="270" r:id="rId15"/>
+    <p:sldId id="271" r:id="rId16"/>
+    <p:sldId id="272" r:id="rId17"/>
   </p:sldIdLst>
   <p:sldSz cx="9144000" cy="6858000" type="screen4x3"/>
   <p:notesSz cx="6858000" cy="9144000"/>
@@ -590,6 +605,20 @@
 <file path=ppt/slideLayouts/slideLayout2.xml><?xml version="1.0" encoding="utf-8"?>
 <p:sldLayout xmlns:a="http://schemas.openxmlformats.org/drawingml/2006/main" xmlns:r="http://schemas.openxmlformats.org/officeDocument/2006/relationships" xmlns:p="http://schemas.openxmlformats.org/presentationml/2006/main" type="obj" preserve="1">
   <p:cSld name="Title and Content">
+    <p:bg>
+      <p:bgPr>
+        <a:blipFill dpi="0" rotWithShape="1">
+          <a:blip r:embed="rId2">
+            <a:lum/>
+          </a:blip>
+          <a:srcRect/>
+          <a:stretch>
+            <a:fillRect/>
+          </a:stretch>
+        </a:blipFill>
+        <a:effectLst/>
+      </p:bgPr>
+    </p:bg>
     <p:spTree>
       <p:nvGrpSpPr>
         <p:cNvPr id="1" name=""/>
@@ -660,38 +689,38 @@
           <a:p>
             <a:pPr lvl="0"/>
             <a:r>
-              <a:rPr lang="en-US" smtClean="0"/>
+              <a:rPr lang="en-US" dirty="0" smtClean="0"/>
               <a:t>Click to edit Master text styles</a:t>
             </a:r>
           </a:p>
           <a:p>
             <a:pPr lvl="1"/>
             <a:r>
-              <a:rPr lang="en-US" smtClean="0"/>
+              <a:rPr lang="en-US" dirty="0" smtClean="0"/>
               <a:t>Second level</a:t>
             </a:r>
           </a:p>
           <a:p>
             <a:pPr lvl="2"/>
             <a:r>
-              <a:rPr lang="en-US" smtClean="0"/>
+              <a:rPr lang="en-US" dirty="0" smtClean="0"/>
               <a:t>Third level</a:t>
             </a:r>
           </a:p>
           <a:p>
             <a:pPr lvl="3"/>
             <a:r>
-              <a:rPr lang="en-US" smtClean="0"/>
+              <a:rPr lang="en-US" dirty="0" smtClean="0"/>
               <a:t>Fourth level</a:t>
             </a:r>
           </a:p>
           <a:p>
             <a:pPr lvl="4"/>
             <a:r>
-              <a:rPr lang="en-US" smtClean="0"/>
+              <a:rPr lang="en-US" dirty="0" smtClean="0"/>
               <a:t>Fifth level</a:t>
             </a:r>
-            <a:endParaRPr lang="en-US"/>
+            <a:endParaRPr lang="en-US" dirty="0"/>
           </a:p>
         </p:txBody>
       </p:sp>
@@ -3076,8 +3105,8 @@
         </p:blipFill>
         <p:spPr bwMode="auto">
           <a:xfrm>
-            <a:off x="113731" y="381000"/>
-            <a:ext cx="3620069" cy="1528474"/>
+            <a:off x="266132" y="605126"/>
+            <a:ext cx="2898174" cy="1223674"/>
           </a:xfrm>
           <a:prstGeom prst="rect">
             <a:avLst/>
@@ -3115,8 +3144,8 @@
         </p:nvSpPr>
         <p:spPr>
           <a:xfrm>
-            <a:off x="236561" y="3276600"/>
-            <a:ext cx="8526439" cy="1754326"/>
+            <a:off x="266132" y="2817674"/>
+            <a:ext cx="8412708" cy="1754326"/>
           </a:xfrm>
           <a:prstGeom prst="rect">
             <a:avLst/>
@@ -3212,6 +3241,99 @@
           </a:p>
         </p:txBody>
       </p:sp>
+      <p:sp>
+        <p:nvSpPr>
+          <p:cNvPr id="9" name="Rectangle 8"/>
+          <p:cNvSpPr/>
+          <p:nvPr/>
+        </p:nvSpPr>
+        <p:spPr>
+          <a:xfrm>
+            <a:off x="152400" y="6305490"/>
+            <a:ext cx="8763000" cy="400110"/>
+          </a:xfrm>
+          <a:prstGeom prst="rect">
+            <a:avLst/>
+          </a:prstGeom>
+          <a:solidFill>
+            <a:srgbClr val="F2F2F2">
+              <a:alpha val="50196"/>
+            </a:srgbClr>
+          </a:solidFill>
+        </p:spPr>
+        <p:txBody>
+          <a:bodyPr wrap="square">
+            <a:spAutoFit/>
+          </a:bodyPr>
+          <a:lstStyle/>
+          <a:p>
+            <a:pPr algn="ctr"/>
+            <a:r>
+              <a:rPr lang="en-US" sz="2000" b="1" spc="100" dirty="0" smtClean="0">
+                <a:solidFill>
+                  <a:schemeClr val="tx1">
+                    <a:lumMod val="85000"/>
+                    <a:lumOff val="15000"/>
+                  </a:schemeClr>
+                </a:solidFill>
+                <a:effectLst>
+                  <a:innerShdw blurRad="63500" dist="50800" dir="13500000">
+                    <a:prstClr val="black">
+                      <a:alpha val="50000"/>
+                    </a:prstClr>
+                  </a:innerShdw>
+                </a:effectLst>
+                <a:latin typeface="+mj-lt"/>
+                <a:ea typeface="Verdana" panose="020B0604030504040204" pitchFamily="34" charset="0"/>
+                <a:cs typeface="Verdana" panose="020B0604030504040204" pitchFamily="34" charset="0"/>
+              </a:rPr>
+              <a:t>CSCI-588 </a:t>
+            </a:r>
+            <a:r>
+              <a:rPr lang="en-US" sz="2000" b="1" spc="100" dirty="0">
+                <a:solidFill>
+                  <a:schemeClr val="tx1">
+                    <a:lumMod val="85000"/>
+                    <a:lumOff val="15000"/>
+                  </a:schemeClr>
+                </a:solidFill>
+                <a:effectLst>
+                  <a:innerShdw blurRad="63500" dist="50800" dir="13500000">
+                    <a:prstClr val="black">
+                      <a:alpha val="50000"/>
+                    </a:prstClr>
+                  </a:innerShdw>
+                </a:effectLst>
+                <a:latin typeface="+mj-lt"/>
+                <a:ea typeface="Verdana" panose="020B0604030504040204" pitchFamily="34" charset="0"/>
+                <a:cs typeface="Verdana" panose="020B0604030504040204" pitchFamily="34" charset="0"/>
+              </a:rPr>
+              <a:t>- Specification and Design of User Interface </a:t>
+            </a:r>
+            <a:r>
+              <a:rPr lang="en-US" sz="2000" b="1" spc="100" dirty="0" smtClean="0">
+                <a:solidFill>
+                  <a:schemeClr val="tx1">
+                    <a:lumMod val="85000"/>
+                    <a:lumOff val="15000"/>
+                  </a:schemeClr>
+                </a:solidFill>
+                <a:effectLst>
+                  <a:innerShdw blurRad="63500" dist="50800" dir="13500000">
+                    <a:prstClr val="black">
+                      <a:alpha val="50000"/>
+                    </a:prstClr>
+                  </a:innerShdw>
+                </a:effectLst>
+                <a:latin typeface="+mj-lt"/>
+                <a:ea typeface="Verdana" panose="020B0604030504040204" pitchFamily="34" charset="0"/>
+                <a:cs typeface="Verdana" panose="020B0604030504040204" pitchFamily="34" charset="0"/>
+              </a:rPr>
+              <a:t>Software</a:t>
+            </a:r>
+          </a:p>
+        </p:txBody>
+      </p:sp>
     </p:spTree>
     <p:extLst>
       <p:ext uri="{BB962C8B-B14F-4D97-AF65-F5344CB8AC3E}">
@@ -3229,6 +3351,1735 @@
       </p:par>
     </p:tnLst>
   </p:timing>
+</p:sld>
+</file>
+
+<file path=ppt/slides/slide10.xml><?xml version="1.0" encoding="utf-8"?>
+<p:sld xmlns:a="http://schemas.openxmlformats.org/drawingml/2006/main" xmlns:r="http://schemas.openxmlformats.org/officeDocument/2006/relationships" xmlns:p="http://schemas.openxmlformats.org/presentationml/2006/main">
+  <p:cSld>
+    <p:spTree>
+      <p:nvGrpSpPr>
+        <p:cNvPr id="1" name=""/>
+        <p:cNvGrpSpPr/>
+        <p:nvPr/>
+      </p:nvGrpSpPr>
+      <p:grpSpPr>
+        <a:xfrm>
+          <a:off x="0" y="0"/>
+          <a:ext cx="0" cy="0"/>
+          <a:chOff x="0" y="0"/>
+          <a:chExt cx="0" cy="0"/>
+        </a:xfrm>
+      </p:grpSpPr>
+      <p:sp>
+        <p:nvSpPr>
+          <p:cNvPr id="2" name="Title 1"/>
+          <p:cNvSpPr>
+            <a:spLocks noGrp="1"/>
+          </p:cNvSpPr>
+          <p:nvPr>
+            <p:ph type="title"/>
+          </p:nvPr>
+        </p:nvSpPr>
+        <p:spPr/>
+        <p:txBody>
+          <a:bodyPr/>
+          <a:lstStyle/>
+          <a:p>
+            <a:r>
+              <a:rPr lang="en-US" dirty="0" smtClean="0"/>
+              <a:t>What is really going on?</a:t>
+            </a:r>
+            <a:endParaRPr lang="en-US" dirty="0"/>
+          </a:p>
+        </p:txBody>
+      </p:sp>
+      <p:sp>
+        <p:nvSpPr>
+          <p:cNvPr id="3" name="Content Placeholder 2"/>
+          <p:cNvSpPr>
+            <a:spLocks noGrp="1"/>
+          </p:cNvSpPr>
+          <p:nvPr>
+            <p:ph idx="1"/>
+          </p:nvPr>
+        </p:nvSpPr>
+        <p:spPr/>
+        <p:txBody>
+          <a:bodyPr/>
+          <a:lstStyle/>
+          <a:p>
+            <a:r>
+              <a:rPr lang="en-US" dirty="0" smtClean="0"/>
+              <a:t>Step 1: User Books a table from the hand held device</a:t>
+            </a:r>
+          </a:p>
+          <a:p>
+            <a:r>
+              <a:rPr lang="en-US" dirty="0" smtClean="0"/>
+              <a:t>Step 2: He gets a text confirmation</a:t>
+            </a:r>
+          </a:p>
+          <a:p>
+            <a:r>
+              <a:rPr lang="en-US" dirty="0" smtClean="0"/>
+              <a:t>Step 3: He checks in using the NFC in the restaurant</a:t>
+            </a:r>
+          </a:p>
+          <a:p>
+            <a:r>
+              <a:rPr lang="en-US" dirty="0" smtClean="0"/>
+              <a:t>Step 4: He orders the food and it gets processed</a:t>
+            </a:r>
+          </a:p>
+          <a:p>
+            <a:r>
+              <a:rPr lang="en-US" dirty="0" smtClean="0"/>
+              <a:t>Step 5: He pays the bill Using his smartphone</a:t>
+            </a:r>
+          </a:p>
+          <a:p>
+            <a:r>
+              <a:rPr lang="en-US" dirty="0" smtClean="0"/>
+              <a:t>Step 6: He leaves the place… happily ever after!</a:t>
+            </a:r>
+          </a:p>
+          <a:p>
+            <a:endParaRPr lang="en-US" dirty="0" smtClean="0"/>
+          </a:p>
+          <a:p>
+            <a:endParaRPr lang="en-US" dirty="0" smtClean="0"/>
+          </a:p>
+          <a:p>
+            <a:endParaRPr lang="en-US" dirty="0" smtClean="0"/>
+          </a:p>
+        </p:txBody>
+      </p:sp>
+    </p:spTree>
+    <p:extLst>
+      <p:ext uri="{BB962C8B-B14F-4D97-AF65-F5344CB8AC3E}">
+        <p14:creationId xmlns:p14="http://schemas.microsoft.com/office/powerpoint/2010/main" val="4091883636"/>
+      </p:ext>
+    </p:extLst>
+  </p:cSld>
+  <p:clrMapOvr>
+    <a:masterClrMapping/>
+  </p:clrMapOvr>
+</p:sld>
+</file>
+
+<file path=ppt/slides/slide11.xml><?xml version="1.0" encoding="utf-8"?>
+<p:sld xmlns:a="http://schemas.openxmlformats.org/drawingml/2006/main" xmlns:r="http://schemas.openxmlformats.org/officeDocument/2006/relationships" xmlns:p="http://schemas.openxmlformats.org/presentationml/2006/main">
+  <p:cSld>
+    <p:spTree>
+      <p:nvGrpSpPr>
+        <p:cNvPr id="1" name=""/>
+        <p:cNvGrpSpPr/>
+        <p:nvPr/>
+      </p:nvGrpSpPr>
+      <p:grpSpPr>
+        <a:xfrm>
+          <a:off x="0" y="0"/>
+          <a:ext cx="0" cy="0"/>
+          <a:chOff x="0" y="0"/>
+          <a:chExt cx="0" cy="0"/>
+        </a:xfrm>
+      </p:grpSpPr>
+      <p:sp>
+        <p:nvSpPr>
+          <p:cNvPr id="2" name="Title 1"/>
+          <p:cNvSpPr>
+            <a:spLocks noGrp="1"/>
+          </p:cNvSpPr>
+          <p:nvPr>
+            <p:ph type="title"/>
+          </p:nvPr>
+        </p:nvSpPr>
+        <p:spPr/>
+        <p:txBody>
+          <a:bodyPr/>
+          <a:lstStyle/>
+          <a:p>
+            <a:r>
+              <a:rPr lang="en-US" dirty="0" smtClean="0"/>
+              <a:t>Will we show the Demo now?</a:t>
+            </a:r>
+            <a:endParaRPr lang="en-US" dirty="0"/>
+          </a:p>
+        </p:txBody>
+      </p:sp>
+      <p:sp>
+        <p:nvSpPr>
+          <p:cNvPr id="3" name="Content Placeholder 2"/>
+          <p:cNvSpPr>
+            <a:spLocks noGrp="1"/>
+          </p:cNvSpPr>
+          <p:nvPr>
+            <p:ph idx="1"/>
+          </p:nvPr>
+        </p:nvSpPr>
+        <p:spPr/>
+        <p:txBody>
+          <a:bodyPr>
+            <a:normAutofit/>
+          </a:bodyPr>
+          <a:lstStyle/>
+          <a:p>
+            <a:r>
+              <a:rPr lang="en-US" sz="3000" dirty="0" smtClean="0"/>
+              <a:t>YES! Of Course…</a:t>
+            </a:r>
+            <a:endParaRPr lang="en-US" sz="3000" dirty="0"/>
+          </a:p>
+        </p:txBody>
+      </p:sp>
+      <p:pic>
+        <p:nvPicPr>
+          <p:cNvPr id="4" name="Picture 3" descr="download (2).jpeg"/>
+          <p:cNvPicPr>
+            <a:picLocks noChangeAspect="1"/>
+          </p:cNvPicPr>
+          <p:nvPr/>
+        </p:nvPicPr>
+        <p:blipFill>
+          <a:blip r:embed="rId2">
+            <a:extLst>
+              <a:ext uri="{28A0092B-C50C-407E-A947-70E740481C1C}">
+                <a14:useLocalDpi xmlns:a14="http://schemas.microsoft.com/office/drawing/2010/main" val="0"/>
+              </a:ext>
+            </a:extLst>
+          </a:blip>
+          <a:stretch>
+            <a:fillRect/>
+          </a:stretch>
+        </p:blipFill>
+        <p:spPr>
+          <a:xfrm>
+            <a:off x="4129691" y="3047826"/>
+            <a:ext cx="3187700" cy="2552700"/>
+          </a:xfrm>
+          <a:prstGeom prst="rect">
+            <a:avLst/>
+          </a:prstGeom>
+          <a:ln>
+            <a:noFill/>
+          </a:ln>
+          <a:effectLst>
+            <a:softEdge rad="112500"/>
+          </a:effectLst>
+        </p:spPr>
+      </p:pic>
+    </p:spTree>
+    <p:extLst>
+      <p:ext uri="{BB962C8B-B14F-4D97-AF65-F5344CB8AC3E}">
+        <p14:creationId xmlns:p14="http://schemas.microsoft.com/office/powerpoint/2010/main" val="730698356"/>
+      </p:ext>
+    </p:extLst>
+  </p:cSld>
+  <p:clrMapOvr>
+    <a:masterClrMapping/>
+  </p:clrMapOvr>
+</p:sld>
+</file>
+
+<file path=ppt/slides/slide12.xml><?xml version="1.0" encoding="utf-8"?>
+<p:sld xmlns:a="http://schemas.openxmlformats.org/drawingml/2006/main" xmlns:r="http://schemas.openxmlformats.org/officeDocument/2006/relationships" xmlns:p="http://schemas.openxmlformats.org/presentationml/2006/main">
+  <p:cSld>
+    <p:spTree>
+      <p:nvGrpSpPr>
+        <p:cNvPr id="1" name=""/>
+        <p:cNvGrpSpPr/>
+        <p:nvPr/>
+      </p:nvGrpSpPr>
+      <p:grpSpPr>
+        <a:xfrm>
+          <a:off x="0" y="0"/>
+          <a:ext cx="0" cy="0"/>
+          <a:chOff x="0" y="0"/>
+          <a:chExt cx="0" cy="0"/>
+        </a:xfrm>
+      </p:grpSpPr>
+      <p:sp>
+        <p:nvSpPr>
+          <p:cNvPr id="2" name="Title 1"/>
+          <p:cNvSpPr>
+            <a:spLocks noGrp="1"/>
+          </p:cNvSpPr>
+          <p:nvPr>
+            <p:ph type="title"/>
+          </p:nvPr>
+        </p:nvSpPr>
+        <p:spPr/>
+        <p:txBody>
+          <a:bodyPr/>
+          <a:lstStyle/>
+          <a:p>
+            <a:r>
+              <a:rPr lang="en-US" dirty="0" smtClean="0"/>
+              <a:t>What did the Usability Analysis show?</a:t>
+            </a:r>
+            <a:endParaRPr lang="en-US" dirty="0"/>
+          </a:p>
+        </p:txBody>
+      </p:sp>
+      <p:sp>
+        <p:nvSpPr>
+          <p:cNvPr id="3" name="Content Placeholder 2"/>
+          <p:cNvSpPr>
+            <a:spLocks noGrp="1"/>
+          </p:cNvSpPr>
+          <p:nvPr>
+            <p:ph idx="1"/>
+          </p:nvPr>
+        </p:nvSpPr>
+        <p:spPr/>
+        <p:txBody>
+          <a:bodyPr>
+            <a:normAutofit/>
+          </a:bodyPr>
+          <a:lstStyle/>
+          <a:p>
+            <a:r>
+              <a:rPr lang="en-US" sz="3000" dirty="0" smtClean="0"/>
+              <a:t>J. Nielsen has shown that tests achieved with 5 users allow to raise at least 80% of usability problems.</a:t>
+            </a:r>
+            <a:endParaRPr lang="en-US" sz="3000" dirty="0"/>
+          </a:p>
+        </p:txBody>
+      </p:sp>
+      <p:pic>
+        <p:nvPicPr>
+          <p:cNvPr id="4" name="Picture 3" descr="no-kidding-480-300x300.gif"/>
+          <p:cNvPicPr>
+            <a:picLocks noChangeAspect="1"/>
+          </p:cNvPicPr>
+          <p:nvPr/>
+        </p:nvPicPr>
+        <p:blipFill>
+          <a:blip r:embed="rId2">
+            <a:extLst>
+              <a:ext uri="{28A0092B-C50C-407E-A947-70E740481C1C}">
+                <a14:useLocalDpi xmlns:a14="http://schemas.microsoft.com/office/drawing/2010/main" val="0"/>
+              </a:ext>
+            </a:extLst>
+          </a:blip>
+          <a:stretch>
+            <a:fillRect/>
+          </a:stretch>
+        </p:blipFill>
+        <p:spPr>
+          <a:xfrm>
+            <a:off x="4951686" y="3094327"/>
+            <a:ext cx="2869500" cy="2869500"/>
+          </a:xfrm>
+          <a:prstGeom prst="rect">
+            <a:avLst/>
+          </a:prstGeom>
+          <a:ln>
+            <a:noFill/>
+          </a:ln>
+          <a:effectLst>
+            <a:softEdge rad="112500"/>
+          </a:effectLst>
+        </p:spPr>
+      </p:pic>
+    </p:spTree>
+    <p:extLst>
+      <p:ext uri="{BB962C8B-B14F-4D97-AF65-F5344CB8AC3E}">
+        <p14:creationId xmlns:p14="http://schemas.microsoft.com/office/powerpoint/2010/main" val="1684864575"/>
+      </p:ext>
+    </p:extLst>
+  </p:cSld>
+  <p:clrMapOvr>
+    <a:masterClrMapping/>
+  </p:clrMapOvr>
+</p:sld>
+</file>
+
+<file path=ppt/slides/slide13.xml><?xml version="1.0" encoding="utf-8"?>
+<p:sld xmlns:a="http://schemas.openxmlformats.org/drawingml/2006/main" xmlns:r="http://schemas.openxmlformats.org/officeDocument/2006/relationships" xmlns:p="http://schemas.openxmlformats.org/presentationml/2006/main">
+  <p:cSld>
+    <p:spTree>
+      <p:nvGrpSpPr>
+        <p:cNvPr id="1" name=""/>
+        <p:cNvGrpSpPr/>
+        <p:nvPr/>
+      </p:nvGrpSpPr>
+      <p:grpSpPr>
+        <a:xfrm>
+          <a:off x="0" y="0"/>
+          <a:ext cx="0" cy="0"/>
+          <a:chOff x="0" y="0"/>
+          <a:chExt cx="0" cy="0"/>
+        </a:xfrm>
+      </p:grpSpPr>
+      <p:sp>
+        <p:nvSpPr>
+          <p:cNvPr id="2" name="Title 1"/>
+          <p:cNvSpPr>
+            <a:spLocks noGrp="1"/>
+          </p:cNvSpPr>
+          <p:nvPr>
+            <p:ph type="title"/>
+          </p:nvPr>
+        </p:nvSpPr>
+        <p:spPr/>
+        <p:txBody>
+          <a:bodyPr/>
+          <a:lstStyle/>
+          <a:p>
+            <a:r>
+              <a:rPr lang="en-US" dirty="0" smtClean="0"/>
+              <a:t>What were the Issues Raised?</a:t>
+            </a:r>
+            <a:endParaRPr lang="en-US" dirty="0"/>
+          </a:p>
+        </p:txBody>
+      </p:sp>
+      <p:sp>
+        <p:nvSpPr>
+          <p:cNvPr id="3" name="Content Placeholder 2"/>
+          <p:cNvSpPr>
+            <a:spLocks noGrp="1"/>
+          </p:cNvSpPr>
+          <p:nvPr>
+            <p:ph idx="1"/>
+          </p:nvPr>
+        </p:nvSpPr>
+        <p:spPr/>
+        <p:txBody>
+          <a:bodyPr/>
+          <a:lstStyle/>
+          <a:p>
+            <a:r>
+              <a:rPr lang="en-US" dirty="0" smtClean="0"/>
+              <a:t>The analysis showed the below listed results:</a:t>
+            </a:r>
+          </a:p>
+          <a:p>
+            <a:r>
+              <a:rPr lang="en-US" dirty="0" smtClean="0"/>
+              <a:t>The usage of colors initially was too bright – fixed</a:t>
+            </a:r>
+          </a:p>
+          <a:p>
+            <a:r>
+              <a:rPr lang="en-US" dirty="0" smtClean="0"/>
+              <a:t>The swipe with tabs </a:t>
+            </a:r>
+            <a:r>
+              <a:rPr lang="en-US" dirty="0" err="1" smtClean="0"/>
+              <a:t>wasn</a:t>
+            </a:r>
+            <a:r>
+              <a:rPr lang="fr-FR" dirty="0" smtClean="0"/>
+              <a:t>’</a:t>
+            </a:r>
+            <a:r>
+              <a:rPr lang="en-US" dirty="0" smtClean="0"/>
+              <a:t>t explicit – fixed</a:t>
+            </a:r>
+          </a:p>
+          <a:p>
+            <a:r>
+              <a:rPr lang="en-US" dirty="0"/>
+              <a:t>S</a:t>
+            </a:r>
+            <a:r>
+              <a:rPr lang="en-US" dirty="0" smtClean="0"/>
+              <a:t>ome </a:t>
+            </a:r>
+            <a:r>
+              <a:rPr lang="en-US" dirty="0"/>
+              <a:t>users were confused as to why order and checkout were together but we have kept this way so one can re order after orders and if you try to checkout before you order you can be </a:t>
+            </a:r>
+            <a:r>
+              <a:rPr lang="en-US" dirty="0" smtClean="0"/>
+              <a:t>informed.</a:t>
+            </a:r>
+            <a:endParaRPr lang="en-US" dirty="0"/>
+          </a:p>
+          <a:p>
+            <a:endParaRPr lang="en-US" dirty="0"/>
+          </a:p>
+        </p:txBody>
+      </p:sp>
+      <p:pic>
+        <p:nvPicPr>
+          <p:cNvPr id="4" name="Picture 3" descr="thumbsup.jpeg"/>
+          <p:cNvPicPr>
+            <a:picLocks noChangeAspect="1"/>
+          </p:cNvPicPr>
+          <p:nvPr/>
+        </p:nvPicPr>
+        <p:blipFill>
+          <a:blip r:embed="rId2">
+            <a:extLst>
+              <a:ext uri="{28A0092B-C50C-407E-A947-70E740481C1C}">
+                <a14:useLocalDpi xmlns:a14="http://schemas.microsoft.com/office/drawing/2010/main" val="0"/>
+              </a:ext>
+            </a:extLst>
+          </a:blip>
+          <a:stretch>
+            <a:fillRect/>
+          </a:stretch>
+        </p:blipFill>
+        <p:spPr>
+          <a:xfrm>
+            <a:off x="6270168" y="4918365"/>
+            <a:ext cx="2236944" cy="1791338"/>
+          </a:xfrm>
+          <a:prstGeom prst="rect">
+            <a:avLst/>
+          </a:prstGeom>
+          <a:ln>
+            <a:noFill/>
+          </a:ln>
+          <a:effectLst>
+            <a:softEdge rad="112500"/>
+          </a:effectLst>
+        </p:spPr>
+      </p:pic>
+    </p:spTree>
+    <p:extLst>
+      <p:ext uri="{BB962C8B-B14F-4D97-AF65-F5344CB8AC3E}">
+        <p14:creationId xmlns:p14="http://schemas.microsoft.com/office/powerpoint/2010/main" val="1010065320"/>
+      </p:ext>
+    </p:extLst>
+  </p:cSld>
+  <p:clrMapOvr>
+    <a:masterClrMapping/>
+  </p:clrMapOvr>
+</p:sld>
+</file>
+
+<file path=ppt/slides/slide14.xml><?xml version="1.0" encoding="utf-8"?>
+<p:sld xmlns:a="http://schemas.openxmlformats.org/drawingml/2006/main" xmlns:r="http://schemas.openxmlformats.org/officeDocument/2006/relationships" xmlns:p="http://schemas.openxmlformats.org/presentationml/2006/main">
+  <p:cSld>
+    <p:spTree>
+      <p:nvGrpSpPr>
+        <p:cNvPr id="1" name=""/>
+        <p:cNvGrpSpPr/>
+        <p:nvPr/>
+      </p:nvGrpSpPr>
+      <p:grpSpPr>
+        <a:xfrm>
+          <a:off x="0" y="0"/>
+          <a:ext cx="0" cy="0"/>
+          <a:chOff x="0" y="0"/>
+          <a:chExt cx="0" cy="0"/>
+        </a:xfrm>
+      </p:grpSpPr>
+      <p:sp>
+        <p:nvSpPr>
+          <p:cNvPr id="2" name="Title 1"/>
+          <p:cNvSpPr>
+            <a:spLocks noGrp="1"/>
+          </p:cNvSpPr>
+          <p:nvPr>
+            <p:ph type="title"/>
+          </p:nvPr>
+        </p:nvSpPr>
+        <p:spPr/>
+        <p:txBody>
+          <a:bodyPr/>
+          <a:lstStyle/>
+          <a:p>
+            <a:r>
+              <a:rPr lang="en-US" dirty="0" smtClean="0"/>
+              <a:t>What is our HTA?</a:t>
+            </a:r>
+            <a:endParaRPr lang="en-US" dirty="0"/>
+          </a:p>
+        </p:txBody>
+      </p:sp>
+      <p:sp>
+        <p:nvSpPr>
+          <p:cNvPr id="3" name="Content Placeholder 2"/>
+          <p:cNvSpPr>
+            <a:spLocks noGrp="1"/>
+          </p:cNvSpPr>
+          <p:nvPr>
+            <p:ph idx="1"/>
+          </p:nvPr>
+        </p:nvSpPr>
+        <p:spPr/>
+        <p:txBody>
+          <a:bodyPr/>
+          <a:lstStyle/>
+          <a:p>
+            <a:endParaRPr lang="en-US" dirty="0"/>
+          </a:p>
+        </p:txBody>
+      </p:sp>
+    </p:spTree>
+    <p:extLst>
+      <p:ext uri="{BB962C8B-B14F-4D97-AF65-F5344CB8AC3E}">
+        <p14:creationId xmlns:p14="http://schemas.microsoft.com/office/powerpoint/2010/main" val="1867425540"/>
+      </p:ext>
+    </p:extLst>
+  </p:cSld>
+  <p:clrMapOvr>
+    <a:masterClrMapping/>
+  </p:clrMapOvr>
+</p:sld>
+</file>
+
+<file path=ppt/slides/slide15.xml><?xml version="1.0" encoding="utf-8"?>
+<p:sld xmlns:a="http://schemas.openxmlformats.org/drawingml/2006/main" xmlns:r="http://schemas.openxmlformats.org/officeDocument/2006/relationships" xmlns:p="http://schemas.openxmlformats.org/presentationml/2006/main">
+  <p:cSld>
+    <p:spTree>
+      <p:nvGrpSpPr>
+        <p:cNvPr id="1" name=""/>
+        <p:cNvGrpSpPr/>
+        <p:nvPr/>
+      </p:nvGrpSpPr>
+      <p:grpSpPr>
+        <a:xfrm>
+          <a:off x="0" y="0"/>
+          <a:ext cx="0" cy="0"/>
+          <a:chOff x="0" y="0"/>
+          <a:chExt cx="0" cy="0"/>
+        </a:xfrm>
+      </p:grpSpPr>
+      <p:sp>
+        <p:nvSpPr>
+          <p:cNvPr id="2" name="Title 1"/>
+          <p:cNvSpPr>
+            <a:spLocks noGrp="1"/>
+          </p:cNvSpPr>
+          <p:nvPr>
+            <p:ph type="title"/>
+          </p:nvPr>
+        </p:nvSpPr>
+        <p:spPr/>
+        <p:txBody>
+          <a:bodyPr/>
+          <a:lstStyle/>
+          <a:p>
+            <a:r>
+              <a:rPr lang="en-US" dirty="0" smtClean="0"/>
+              <a:t>So Don</a:t>
+            </a:r>
+            <a:r>
+              <a:rPr lang="fr-FR" dirty="0" smtClean="0"/>
+              <a:t>’</a:t>
+            </a:r>
+            <a:r>
+              <a:rPr lang="en-US" dirty="0" smtClean="0"/>
+              <a:t>t get tired and…</a:t>
+            </a:r>
+            <a:endParaRPr lang="en-US" dirty="0"/>
+          </a:p>
+        </p:txBody>
+      </p:sp>
+      <p:pic>
+        <p:nvPicPr>
+          <p:cNvPr id="4" name="Content Placeholder 3" descr="51b9fa6a33362.preview-620.png"/>
+          <p:cNvPicPr>
+            <a:picLocks noGrp="1" noChangeAspect="1"/>
+          </p:cNvPicPr>
+          <p:nvPr>
+            <p:ph idx="1"/>
+          </p:nvPr>
+        </p:nvPicPr>
+        <p:blipFill>
+          <a:blip r:embed="rId2">
+            <a:extLst>
+              <a:ext uri="{28A0092B-C50C-407E-A947-70E740481C1C}">
+                <a14:useLocalDpi xmlns:a14="http://schemas.microsoft.com/office/drawing/2010/main" val="0"/>
+              </a:ext>
+            </a:extLst>
+          </a:blip>
+          <a:srcRect l="268" r="268"/>
+          <a:stretch>
+            <a:fillRect/>
+          </a:stretch>
+        </p:blipFill>
+        <p:spPr>
+          <a:xfrm>
+            <a:off x="1647036" y="1735138"/>
+            <a:ext cx="6117645" cy="3392789"/>
+          </a:xfrm>
+        </p:spPr>
+      </p:pic>
+      <p:sp>
+        <p:nvSpPr>
+          <p:cNvPr id="7" name="TextBox 6"/>
+          <p:cNvSpPr txBox="1"/>
+          <p:nvPr/>
+        </p:nvSpPr>
+        <p:spPr>
+          <a:xfrm flipH="1">
+            <a:off x="1494636" y="5650053"/>
+            <a:ext cx="1021136" cy="1060556"/>
+          </a:xfrm>
+          <a:prstGeom prst="rect">
+            <a:avLst/>
+          </a:prstGeom>
+          <a:noFill/>
+        </p:spPr>
+        <p:txBody>
+          <a:bodyPr wrap="square" rtlCol="0">
+            <a:spAutoFit/>
+          </a:bodyPr>
+          <a:lstStyle/>
+          <a:p>
+            <a:endParaRPr lang="en-US"/>
+          </a:p>
+        </p:txBody>
+      </p:sp>
+      <p:sp>
+        <p:nvSpPr>
+          <p:cNvPr id="8" name="TextBox 7"/>
+          <p:cNvSpPr txBox="1"/>
+          <p:nvPr/>
+        </p:nvSpPr>
+        <p:spPr>
+          <a:xfrm flipH="1">
+            <a:off x="1647036" y="5802453"/>
+            <a:ext cx="1021136" cy="1060556"/>
+          </a:xfrm>
+          <a:prstGeom prst="rect">
+            <a:avLst/>
+          </a:prstGeom>
+          <a:noFill/>
+        </p:spPr>
+        <p:txBody>
+          <a:bodyPr wrap="square" rtlCol="0">
+            <a:spAutoFit/>
+          </a:bodyPr>
+          <a:lstStyle/>
+          <a:p>
+            <a:endParaRPr lang="en-US"/>
+          </a:p>
+        </p:txBody>
+      </p:sp>
+      <p:sp>
+        <p:nvSpPr>
+          <p:cNvPr id="9" name="Title 1"/>
+          <p:cNvSpPr txBox="1">
+            <a:spLocks/>
+          </p:cNvSpPr>
+          <p:nvPr/>
+        </p:nvSpPr>
+        <p:spPr>
+          <a:xfrm>
+            <a:off x="407629" y="5650053"/>
+            <a:ext cx="7313613" cy="868362"/>
+          </a:xfrm>
+          <a:prstGeom prst="rect">
+            <a:avLst/>
+          </a:prstGeom>
+        </p:spPr>
+        <p:txBody>
+          <a:bodyPr vert="horz" lIns="91440" tIns="45720" rIns="91440" bIns="45720" rtlCol="0" anchor="ctr">
+            <a:noAutofit/>
+          </a:bodyPr>
+          <a:lstStyle>
+            <a:lvl1pPr algn="ctr" defTabSz="914400" rtl="0" eaLnBrk="1" latinLnBrk="0" hangingPunct="1">
+              <a:spcBef>
+                <a:spcPct val="0"/>
+              </a:spcBef>
+              <a:buNone/>
+              <a:defRPr sz="4600" kern="1200">
+                <a:solidFill>
+                  <a:schemeClr val="tx1"/>
+                </a:solidFill>
+                <a:latin typeface="+mj-lt"/>
+                <a:ea typeface="+mj-ea"/>
+                <a:cs typeface="+mj-cs"/>
+              </a:defRPr>
+            </a:lvl1pPr>
+          </a:lstStyle>
+          <a:p>
+            <a:r>
+              <a:rPr lang="en-US" dirty="0" smtClean="0"/>
+              <a:t>      Go Smart.</a:t>
+            </a:r>
+          </a:p>
+          <a:p>
+            <a:r>
+              <a:rPr lang="en-US" dirty="0"/>
+              <a:t> </a:t>
+            </a:r>
+            <a:r>
+              <a:rPr lang="en-US" dirty="0" smtClean="0"/>
+              <a:t>     Use Book My Table!</a:t>
+            </a:r>
+            <a:endParaRPr lang="en-US" dirty="0"/>
+          </a:p>
+        </p:txBody>
+      </p:sp>
+    </p:spTree>
+    <p:extLst>
+      <p:ext uri="{BB962C8B-B14F-4D97-AF65-F5344CB8AC3E}">
+        <p14:creationId xmlns:p14="http://schemas.microsoft.com/office/powerpoint/2010/main" val="2529686087"/>
+      </p:ext>
+    </p:extLst>
+  </p:cSld>
+  <p:clrMapOvr>
+    <a:masterClrMapping/>
+  </p:clrMapOvr>
+</p:sld>
+</file>
+
+<file path=ppt/slides/slide16.xml><?xml version="1.0" encoding="utf-8"?>
+<p:sld xmlns:a="http://schemas.openxmlformats.org/drawingml/2006/main" xmlns:r="http://schemas.openxmlformats.org/officeDocument/2006/relationships" xmlns:p="http://schemas.openxmlformats.org/presentationml/2006/main">
+  <p:cSld>
+    <p:spTree>
+      <p:nvGrpSpPr>
+        <p:cNvPr id="1" name=""/>
+        <p:cNvGrpSpPr/>
+        <p:nvPr/>
+      </p:nvGrpSpPr>
+      <p:grpSpPr>
+        <a:xfrm>
+          <a:off x="0" y="0"/>
+          <a:ext cx="0" cy="0"/>
+          <a:chOff x="0" y="0"/>
+          <a:chExt cx="0" cy="0"/>
+        </a:xfrm>
+      </p:grpSpPr>
+      <p:sp>
+        <p:nvSpPr>
+          <p:cNvPr id="2" name="Title 1"/>
+          <p:cNvSpPr>
+            <a:spLocks noGrp="1"/>
+          </p:cNvSpPr>
+          <p:nvPr>
+            <p:ph type="title"/>
+          </p:nvPr>
+        </p:nvSpPr>
+        <p:spPr>
+          <a:xfrm>
+            <a:off x="914400" y="2512614"/>
+            <a:ext cx="7313613" cy="868362"/>
+          </a:xfrm>
+        </p:spPr>
+        <p:txBody>
+          <a:bodyPr/>
+          <a:lstStyle/>
+          <a:p>
+            <a:r>
+              <a:rPr lang="en-US" dirty="0" smtClean="0"/>
+              <a:t>THANK YOU </a:t>
+            </a:r>
+            <a:r>
+              <a:rPr lang="en-US" dirty="0" smtClean="0">
+                <a:sym typeface="Wingdings"/>
+              </a:rPr>
+              <a:t></a:t>
+            </a:r>
+            <a:endParaRPr lang="en-US" dirty="0"/>
+          </a:p>
+        </p:txBody>
+      </p:sp>
+    </p:spTree>
+    <p:extLst>
+      <p:ext uri="{BB962C8B-B14F-4D97-AF65-F5344CB8AC3E}">
+        <p14:creationId xmlns:p14="http://schemas.microsoft.com/office/powerpoint/2010/main" val="4087109184"/>
+      </p:ext>
+    </p:extLst>
+  </p:cSld>
+  <p:clrMapOvr>
+    <a:masterClrMapping/>
+  </p:clrMapOvr>
+</p:sld>
+</file>
+
+<file path=ppt/slides/slide2.xml><?xml version="1.0" encoding="utf-8"?>
+<p:sld xmlns:a="http://schemas.openxmlformats.org/drawingml/2006/main" xmlns:r="http://schemas.openxmlformats.org/officeDocument/2006/relationships" xmlns:p="http://schemas.openxmlformats.org/presentationml/2006/main">
+  <p:cSld>
+    <p:spTree>
+      <p:nvGrpSpPr>
+        <p:cNvPr id="1" name=""/>
+        <p:cNvGrpSpPr/>
+        <p:nvPr/>
+      </p:nvGrpSpPr>
+      <p:grpSpPr>
+        <a:xfrm>
+          <a:off x="0" y="0"/>
+          <a:ext cx="0" cy="0"/>
+          <a:chOff x="0" y="0"/>
+          <a:chExt cx="0" cy="0"/>
+        </a:xfrm>
+      </p:grpSpPr>
+      <p:sp>
+        <p:nvSpPr>
+          <p:cNvPr id="2" name="Title 1"/>
+          <p:cNvSpPr>
+            <a:spLocks noGrp="1"/>
+          </p:cNvSpPr>
+          <p:nvPr>
+            <p:ph type="title"/>
+          </p:nvPr>
+        </p:nvSpPr>
+        <p:spPr/>
+        <p:txBody>
+          <a:bodyPr/>
+          <a:lstStyle/>
+          <a:p>
+            <a:r>
+              <a:rPr lang="en-US" dirty="0" smtClean="0"/>
+              <a:t>Why??</a:t>
+            </a:r>
+            <a:endParaRPr lang="en-US" dirty="0"/>
+          </a:p>
+        </p:txBody>
+      </p:sp>
+      <p:pic>
+        <p:nvPicPr>
+          <p:cNvPr id="6" name="Content Placeholder 5" descr="download.jpeg"/>
+          <p:cNvPicPr>
+            <a:picLocks noGrp="1" noChangeAspect="1"/>
+          </p:cNvPicPr>
+          <p:nvPr>
+            <p:ph idx="1"/>
+          </p:nvPr>
+        </p:nvPicPr>
+        <p:blipFill>
+          <a:blip r:embed="rId2">
+            <a:extLst>
+              <a:ext uri="{28A0092B-C50C-407E-A947-70E740481C1C}">
+                <a14:useLocalDpi xmlns:a14="http://schemas.microsoft.com/office/drawing/2010/main" val="0"/>
+              </a:ext>
+            </a:extLst>
+          </a:blip>
+          <a:srcRect l="-54894" r="-54894"/>
+          <a:stretch>
+            <a:fillRect/>
+          </a:stretch>
+        </p:blipFill>
+        <p:spPr>
+          <a:xfrm>
+            <a:off x="914400" y="1735138"/>
+            <a:ext cx="7313613" cy="4056062"/>
+          </a:xfrm>
+          <a:prstGeom prst="rect">
+            <a:avLst/>
+          </a:prstGeom>
+          <a:ln>
+            <a:noFill/>
+          </a:ln>
+          <a:effectLst>
+            <a:softEdge rad="112500"/>
+          </a:effectLst>
+        </p:spPr>
+      </p:pic>
+    </p:spTree>
+    <p:extLst>
+      <p:ext uri="{BB962C8B-B14F-4D97-AF65-F5344CB8AC3E}">
+        <p14:creationId xmlns:p14="http://schemas.microsoft.com/office/powerpoint/2010/main" val="3665814622"/>
+      </p:ext>
+    </p:extLst>
+  </p:cSld>
+  <p:clrMapOvr>
+    <a:masterClrMapping/>
+  </p:clrMapOvr>
+</p:sld>
+</file>
+
+<file path=ppt/slides/slide3.xml><?xml version="1.0" encoding="utf-8"?>
+<p:sld xmlns:a="http://schemas.openxmlformats.org/drawingml/2006/main" xmlns:r="http://schemas.openxmlformats.org/officeDocument/2006/relationships" xmlns:p="http://schemas.openxmlformats.org/presentationml/2006/main">
+  <p:cSld>
+    <p:spTree>
+      <p:nvGrpSpPr>
+        <p:cNvPr id="1" name=""/>
+        <p:cNvGrpSpPr/>
+        <p:nvPr/>
+      </p:nvGrpSpPr>
+      <p:grpSpPr>
+        <a:xfrm>
+          <a:off x="0" y="0"/>
+          <a:ext cx="0" cy="0"/>
+          <a:chOff x="0" y="0"/>
+          <a:chExt cx="0" cy="0"/>
+        </a:xfrm>
+      </p:grpSpPr>
+      <p:sp>
+        <p:nvSpPr>
+          <p:cNvPr id="2" name="Title 1"/>
+          <p:cNvSpPr>
+            <a:spLocks noGrp="1"/>
+          </p:cNvSpPr>
+          <p:nvPr>
+            <p:ph type="title"/>
+          </p:nvPr>
+        </p:nvSpPr>
+        <p:spPr/>
+        <p:txBody>
+          <a:bodyPr/>
+          <a:lstStyle/>
+          <a:p>
+            <a:r>
+              <a:rPr lang="en-US" dirty="0" smtClean="0"/>
+              <a:t>What Makes us Tick?</a:t>
+            </a:r>
+            <a:endParaRPr lang="en-US" dirty="0"/>
+          </a:p>
+        </p:txBody>
+      </p:sp>
+      <p:sp>
+        <p:nvSpPr>
+          <p:cNvPr id="3" name="Content Placeholder 2"/>
+          <p:cNvSpPr>
+            <a:spLocks noGrp="1"/>
+          </p:cNvSpPr>
+          <p:nvPr>
+            <p:ph idx="1"/>
+          </p:nvPr>
+        </p:nvSpPr>
+        <p:spPr/>
+        <p:txBody>
+          <a:bodyPr/>
+          <a:lstStyle/>
+          <a:p>
+            <a:r>
+              <a:rPr lang="en-US" dirty="0" smtClean="0"/>
+              <a:t>Reduced wait time in the restaurant</a:t>
+            </a:r>
+          </a:p>
+          <a:p>
+            <a:r>
+              <a:rPr lang="en-US" dirty="0" smtClean="0"/>
+              <a:t>Updated menu items to choose from your table</a:t>
+            </a:r>
+          </a:p>
+          <a:p>
+            <a:r>
+              <a:rPr lang="en-US" dirty="0" smtClean="0"/>
+              <a:t>M-commerce </a:t>
+            </a:r>
+          </a:p>
+          <a:p>
+            <a:r>
+              <a:rPr lang="en-US" dirty="0" smtClean="0"/>
+              <a:t>Independence</a:t>
+            </a:r>
+            <a:endParaRPr lang="en-US" dirty="0"/>
+          </a:p>
+        </p:txBody>
+      </p:sp>
+      <p:pic>
+        <p:nvPicPr>
+          <p:cNvPr id="2051" name="Picture 3"/>
+          <p:cNvPicPr>
+            <a:picLocks noChangeAspect="1" noChangeArrowheads="1"/>
+          </p:cNvPicPr>
+          <p:nvPr/>
+        </p:nvPicPr>
+        <p:blipFill>
+          <a:blip r:embed="rId2">
+            <a:clrChange>
+              <a:clrFrom>
+                <a:srgbClr val="FFFFFF"/>
+              </a:clrFrom>
+              <a:clrTo>
+                <a:srgbClr val="FFFFFF">
+                  <a:alpha val="0"/>
+                </a:srgbClr>
+              </a:clrTo>
+            </a:clrChange>
+            <a:extLst>
+              <a:ext uri="{28A0092B-C50C-407E-A947-70E740481C1C}">
+                <a14:useLocalDpi xmlns:a14="http://schemas.microsoft.com/office/drawing/2010/main" val="0"/>
+              </a:ext>
+            </a:extLst>
+          </a:blip>
+          <a:srcRect/>
+          <a:stretch>
+            <a:fillRect/>
+          </a:stretch>
+        </p:blipFill>
+        <p:spPr bwMode="auto">
+          <a:xfrm>
+            <a:off x="6096000" y="3352800"/>
+            <a:ext cx="1924050" cy="2571750"/>
+          </a:xfrm>
+          <a:prstGeom prst="rect">
+            <a:avLst/>
+          </a:prstGeom>
+          <a:noFill/>
+          <a:ln>
+            <a:noFill/>
+          </a:ln>
+          <a:extLst>
+            <a:ext uri="{909E8E84-426E-40DD-AFC4-6F175D3DCCD1}">
+              <a14:hiddenFill xmlns:a14="http://schemas.microsoft.com/office/drawing/2010/main">
+                <a:solidFill>
+                  <a:schemeClr val="accent1"/>
+                </a:solidFill>
+              </a14:hiddenFill>
+            </a:ext>
+            <a:ext uri="{91240B29-F687-4F45-9708-019B960494DF}">
+              <a14:hiddenLine xmlns:a14="http://schemas.microsoft.com/office/drawing/2010/main" w="9525">
+                <a:solidFill>
+                  <a:schemeClr val="tx1"/>
+                </a:solidFill>
+                <a:miter lim="800000"/>
+                <a:headEnd/>
+                <a:tailEnd/>
+              </a14:hiddenLine>
+            </a:ext>
+          </a:extLst>
+        </p:spPr>
+      </p:pic>
+    </p:spTree>
+    <p:extLst>
+      <p:ext uri="{BB962C8B-B14F-4D97-AF65-F5344CB8AC3E}">
+        <p14:creationId xmlns:p14="http://schemas.microsoft.com/office/powerpoint/2010/main" val="1727202412"/>
+      </p:ext>
+    </p:extLst>
+  </p:cSld>
+  <p:clrMapOvr>
+    <a:masterClrMapping/>
+  </p:clrMapOvr>
+</p:sld>
+</file>
+
+<file path=ppt/slides/slide4.xml><?xml version="1.0" encoding="utf-8"?>
+<p:sld xmlns:a="http://schemas.openxmlformats.org/drawingml/2006/main" xmlns:r="http://schemas.openxmlformats.org/officeDocument/2006/relationships" xmlns:p="http://schemas.openxmlformats.org/presentationml/2006/main">
+  <p:cSld>
+    <p:spTree>
+      <p:nvGrpSpPr>
+        <p:cNvPr id="1" name=""/>
+        <p:cNvGrpSpPr/>
+        <p:nvPr/>
+      </p:nvGrpSpPr>
+      <p:grpSpPr>
+        <a:xfrm>
+          <a:off x="0" y="0"/>
+          <a:ext cx="0" cy="0"/>
+          <a:chOff x="0" y="0"/>
+          <a:chExt cx="0" cy="0"/>
+        </a:xfrm>
+      </p:grpSpPr>
+      <p:sp>
+        <p:nvSpPr>
+          <p:cNvPr id="2" name="Title 1"/>
+          <p:cNvSpPr>
+            <a:spLocks noGrp="1"/>
+          </p:cNvSpPr>
+          <p:nvPr>
+            <p:ph type="title"/>
+          </p:nvPr>
+        </p:nvSpPr>
+        <p:spPr/>
+        <p:txBody>
+          <a:bodyPr/>
+          <a:lstStyle/>
+          <a:p>
+            <a:r>
+              <a:rPr lang="en-US" dirty="0" smtClean="0"/>
+              <a:t>What makes us Different?</a:t>
+            </a:r>
+            <a:endParaRPr lang="en-US" dirty="0"/>
+          </a:p>
+        </p:txBody>
+      </p:sp>
+      <p:sp>
+        <p:nvSpPr>
+          <p:cNvPr id="3" name="Content Placeholder 2"/>
+          <p:cNvSpPr>
+            <a:spLocks noGrp="1"/>
+          </p:cNvSpPr>
+          <p:nvPr>
+            <p:ph idx="1"/>
+          </p:nvPr>
+        </p:nvSpPr>
+        <p:spPr/>
+        <p:txBody>
+          <a:bodyPr/>
+          <a:lstStyle/>
+          <a:p>
+            <a:r>
+              <a:rPr lang="en-US" dirty="0" smtClean="0"/>
+              <a:t>Making use of the smartphones for the smart use.</a:t>
+            </a:r>
+          </a:p>
+          <a:p>
+            <a:r>
+              <a:rPr lang="en-US" dirty="0" smtClean="0"/>
+              <a:t>User becomes independent of the customary wait at the restaurant at all levels.</a:t>
+            </a:r>
+          </a:p>
+          <a:p>
+            <a:r>
+              <a:rPr lang="en-US" dirty="0" smtClean="0"/>
+              <a:t>Saves a lot of time and enables user to do the job using his personal device, starting from order to payment.</a:t>
+            </a:r>
+          </a:p>
+          <a:p>
+            <a:pPr marL="0" indent="0">
+              <a:buNone/>
+            </a:pPr>
+            <a:endParaRPr lang="en-US" dirty="0"/>
+          </a:p>
+        </p:txBody>
+      </p:sp>
+      <p:pic>
+        <p:nvPicPr>
+          <p:cNvPr id="4" name="Picture 3" descr="tech_savvy_guy-lg.jpg"/>
+          <p:cNvPicPr>
+            <a:picLocks noChangeAspect="1"/>
+          </p:cNvPicPr>
+          <p:nvPr/>
+        </p:nvPicPr>
+        <p:blipFill>
+          <a:blip r:embed="rId2">
+            <a:extLst>
+              <a:ext uri="{28A0092B-C50C-407E-A947-70E740481C1C}">
+                <a14:useLocalDpi xmlns:a14="http://schemas.microsoft.com/office/drawing/2010/main" val="0"/>
+              </a:ext>
+            </a:extLst>
+          </a:blip>
+          <a:stretch>
+            <a:fillRect/>
+          </a:stretch>
+        </p:blipFill>
+        <p:spPr>
+          <a:xfrm>
+            <a:off x="3458078" y="4340251"/>
+            <a:ext cx="4608737" cy="2016665"/>
+          </a:xfrm>
+          <a:prstGeom prst="rect">
+            <a:avLst/>
+          </a:prstGeom>
+        </p:spPr>
+      </p:pic>
+    </p:spTree>
+    <p:extLst>
+      <p:ext uri="{BB962C8B-B14F-4D97-AF65-F5344CB8AC3E}">
+        <p14:creationId xmlns:p14="http://schemas.microsoft.com/office/powerpoint/2010/main" val="1728435790"/>
+      </p:ext>
+    </p:extLst>
+  </p:cSld>
+  <p:clrMapOvr>
+    <a:masterClrMapping/>
+  </p:clrMapOvr>
+</p:sld>
+</file>
+
+<file path=ppt/slides/slide5.xml><?xml version="1.0" encoding="utf-8"?>
+<p:sld xmlns:a="http://schemas.openxmlformats.org/drawingml/2006/main" xmlns:r="http://schemas.openxmlformats.org/officeDocument/2006/relationships" xmlns:p="http://schemas.openxmlformats.org/presentationml/2006/main">
+  <p:cSld>
+    <p:spTree>
+      <p:nvGrpSpPr>
+        <p:cNvPr id="1" name=""/>
+        <p:cNvGrpSpPr/>
+        <p:nvPr/>
+      </p:nvGrpSpPr>
+      <p:grpSpPr>
+        <a:xfrm>
+          <a:off x="0" y="0"/>
+          <a:ext cx="0" cy="0"/>
+          <a:chOff x="0" y="0"/>
+          <a:chExt cx="0" cy="0"/>
+        </a:xfrm>
+      </p:grpSpPr>
+      <p:sp>
+        <p:nvSpPr>
+          <p:cNvPr id="2" name="Title 1"/>
+          <p:cNvSpPr>
+            <a:spLocks noGrp="1"/>
+          </p:cNvSpPr>
+          <p:nvPr>
+            <p:ph type="title"/>
+          </p:nvPr>
+        </p:nvSpPr>
+        <p:spPr/>
+        <p:txBody>
+          <a:bodyPr/>
+          <a:lstStyle/>
+          <a:p>
+            <a:r>
+              <a:rPr lang="en-US" dirty="0" smtClean="0"/>
+              <a:t>What is our Point?</a:t>
+            </a:r>
+            <a:endParaRPr lang="en-US" dirty="0"/>
+          </a:p>
+        </p:txBody>
+      </p:sp>
+      <p:sp>
+        <p:nvSpPr>
+          <p:cNvPr id="3" name="Content Placeholder 2"/>
+          <p:cNvSpPr>
+            <a:spLocks noGrp="1"/>
+          </p:cNvSpPr>
+          <p:nvPr>
+            <p:ph idx="1"/>
+          </p:nvPr>
+        </p:nvSpPr>
+        <p:spPr/>
+        <p:txBody>
+          <a:bodyPr/>
+          <a:lstStyle/>
+          <a:p>
+            <a:endParaRPr lang="en-US" dirty="0" smtClean="0"/>
+          </a:p>
+          <a:p>
+            <a:r>
+              <a:rPr lang="en-US" dirty="0" smtClean="0"/>
+              <a:t>We aim to make the process of ordering food in the restaurant smooth and “wait free”</a:t>
+            </a:r>
+          </a:p>
+          <a:p>
+            <a:r>
+              <a:rPr lang="en-US" dirty="0" smtClean="0"/>
+              <a:t>The quick process increases not just the sales of the restaurant but also reduces the frustration of the user while waiting for food.</a:t>
+            </a:r>
+          </a:p>
+          <a:p>
+            <a:r>
+              <a:rPr lang="en-US" dirty="0" smtClean="0"/>
+              <a:t>You know what I mean! Don</a:t>
+            </a:r>
+            <a:r>
+              <a:rPr lang="fr-FR" dirty="0" smtClean="0"/>
+              <a:t>’</a:t>
+            </a:r>
+            <a:r>
+              <a:rPr lang="en-US" dirty="0" smtClean="0"/>
+              <a:t>t you? If not then this would look familiar…</a:t>
+            </a:r>
+          </a:p>
+          <a:p>
+            <a:pPr marL="0" indent="0">
+              <a:buNone/>
+            </a:pPr>
+            <a:endParaRPr lang="en-US" dirty="0"/>
+          </a:p>
+        </p:txBody>
+      </p:sp>
+      <p:pic>
+        <p:nvPicPr>
+          <p:cNvPr id="4" name="Picture 3" descr="what-use.png"/>
+          <p:cNvPicPr>
+            <a:picLocks noChangeAspect="1"/>
+          </p:cNvPicPr>
+          <p:nvPr/>
+        </p:nvPicPr>
+        <p:blipFill>
+          <a:blip r:embed="rId2">
+            <a:extLst>
+              <a:ext uri="{28A0092B-C50C-407E-A947-70E740481C1C}">
+                <a14:useLocalDpi xmlns:a14="http://schemas.microsoft.com/office/drawing/2010/main" val="0"/>
+              </a:ext>
+            </a:extLst>
+          </a:blip>
+          <a:stretch>
+            <a:fillRect/>
+          </a:stretch>
+        </p:blipFill>
+        <p:spPr>
+          <a:xfrm>
+            <a:off x="257238" y="69524"/>
+            <a:ext cx="2014274" cy="2004152"/>
+          </a:xfrm>
+          <a:prstGeom prst="rect">
+            <a:avLst/>
+          </a:prstGeom>
+        </p:spPr>
+      </p:pic>
+    </p:spTree>
+    <p:extLst>
+      <p:ext uri="{BB962C8B-B14F-4D97-AF65-F5344CB8AC3E}">
+        <p14:creationId xmlns:p14="http://schemas.microsoft.com/office/powerpoint/2010/main" val="960481937"/>
+      </p:ext>
+    </p:extLst>
+  </p:cSld>
+  <p:clrMapOvr>
+    <a:masterClrMapping/>
+  </p:clrMapOvr>
+</p:sld>
+</file>
+
+<file path=ppt/slides/slide6.xml><?xml version="1.0" encoding="utf-8"?>
+<p:sld xmlns:a="http://schemas.openxmlformats.org/drawingml/2006/main" xmlns:r="http://schemas.openxmlformats.org/officeDocument/2006/relationships" xmlns:p="http://schemas.openxmlformats.org/presentationml/2006/main">
+  <p:cSld>
+    <p:spTree>
+      <p:nvGrpSpPr>
+        <p:cNvPr id="1" name=""/>
+        <p:cNvGrpSpPr/>
+        <p:nvPr/>
+      </p:nvGrpSpPr>
+      <p:grpSpPr>
+        <a:xfrm>
+          <a:off x="0" y="0"/>
+          <a:ext cx="0" cy="0"/>
+          <a:chOff x="0" y="0"/>
+          <a:chExt cx="0" cy="0"/>
+        </a:xfrm>
+      </p:grpSpPr>
+      <p:sp>
+        <p:nvSpPr>
+          <p:cNvPr id="2" name="Title 1"/>
+          <p:cNvSpPr>
+            <a:spLocks noGrp="1"/>
+          </p:cNvSpPr>
+          <p:nvPr>
+            <p:ph type="title"/>
+          </p:nvPr>
+        </p:nvSpPr>
+        <p:spPr/>
+        <p:txBody>
+          <a:bodyPr/>
+          <a:lstStyle/>
+          <a:p>
+            <a:r>
+              <a:rPr lang="en-US" smtClean="0"/>
+              <a:t>Sad</a:t>
+            </a:r>
+            <a:r>
+              <a:rPr lang="en-US" dirty="0" smtClean="0"/>
+              <a:t>… </a:t>
+            </a:r>
+            <a:r>
+              <a:rPr lang="en-US" dirty="0" smtClean="0">
+                <a:sym typeface="Wingdings"/>
+              </a:rPr>
+              <a:t></a:t>
+            </a:r>
+            <a:endParaRPr lang="en-US" dirty="0"/>
+          </a:p>
+        </p:txBody>
+      </p:sp>
+      <p:pic>
+        <p:nvPicPr>
+          <p:cNvPr id="4" name="Content Placeholder 3" descr="39654CFBCEC045838262CE072612D9FD.jpg"/>
+          <p:cNvPicPr>
+            <a:picLocks noGrp="1" noChangeAspect="1"/>
+          </p:cNvPicPr>
+          <p:nvPr>
+            <p:ph idx="1"/>
+          </p:nvPr>
+        </p:nvPicPr>
+        <p:blipFill>
+          <a:blip r:embed="rId2">
+            <a:extLst>
+              <a:ext uri="{28A0092B-C50C-407E-A947-70E740481C1C}">
+                <a14:useLocalDpi xmlns:a14="http://schemas.microsoft.com/office/drawing/2010/main" val="0"/>
+              </a:ext>
+            </a:extLst>
+          </a:blip>
+          <a:srcRect t="12294" b="12294"/>
+          <a:stretch>
+            <a:fillRect/>
+          </a:stretch>
+        </p:blipFill>
+        <p:spPr/>
+      </p:pic>
+    </p:spTree>
+    <p:extLst>
+      <p:ext uri="{BB962C8B-B14F-4D97-AF65-F5344CB8AC3E}">
+        <p14:creationId xmlns:p14="http://schemas.microsoft.com/office/powerpoint/2010/main" val="867980532"/>
+      </p:ext>
+    </p:extLst>
+  </p:cSld>
+  <p:clrMapOvr>
+    <a:masterClrMapping/>
+  </p:clrMapOvr>
+</p:sld>
+</file>
+
+<file path=ppt/slides/slide7.xml><?xml version="1.0" encoding="utf-8"?>
+<p:sld xmlns:a="http://schemas.openxmlformats.org/drawingml/2006/main" xmlns:r="http://schemas.openxmlformats.org/officeDocument/2006/relationships" xmlns:p="http://schemas.openxmlformats.org/presentationml/2006/main">
+  <p:cSld>
+    <p:spTree>
+      <p:nvGrpSpPr>
+        <p:cNvPr id="1" name=""/>
+        <p:cNvGrpSpPr/>
+        <p:nvPr/>
+      </p:nvGrpSpPr>
+      <p:grpSpPr>
+        <a:xfrm>
+          <a:off x="0" y="0"/>
+          <a:ext cx="0" cy="0"/>
+          <a:chOff x="0" y="0"/>
+          <a:chExt cx="0" cy="0"/>
+        </a:xfrm>
+      </p:grpSpPr>
+      <p:sp>
+        <p:nvSpPr>
+          <p:cNvPr id="2" name="Title 1"/>
+          <p:cNvSpPr>
+            <a:spLocks noGrp="1"/>
+          </p:cNvSpPr>
+          <p:nvPr>
+            <p:ph type="title"/>
+          </p:nvPr>
+        </p:nvSpPr>
+        <p:spPr/>
+        <p:txBody>
+          <a:bodyPr/>
+          <a:lstStyle/>
+          <a:p>
+            <a:r>
+              <a:rPr lang="en-US" dirty="0" smtClean="0"/>
+              <a:t>        What Technology is this?</a:t>
+            </a:r>
+            <a:endParaRPr lang="en-US" dirty="0"/>
+          </a:p>
+        </p:txBody>
+      </p:sp>
+      <p:sp>
+        <p:nvSpPr>
+          <p:cNvPr id="3" name="Content Placeholder 2"/>
+          <p:cNvSpPr>
+            <a:spLocks noGrp="1"/>
+          </p:cNvSpPr>
+          <p:nvPr>
+            <p:ph idx="1"/>
+          </p:nvPr>
+        </p:nvSpPr>
+        <p:spPr/>
+        <p:txBody>
+          <a:bodyPr>
+            <a:normAutofit lnSpcReduction="10000"/>
+          </a:bodyPr>
+          <a:lstStyle/>
+          <a:p>
+            <a:r>
+              <a:rPr lang="en-US" dirty="0" smtClean="0"/>
+              <a:t>NFC: Near Field Communication (Listen up!)</a:t>
+            </a:r>
+          </a:p>
+          <a:p>
+            <a:r>
+              <a:rPr lang="en-US" dirty="0" smtClean="0"/>
+              <a:t>We have the Android handheld smart phone that is used to place the order and check in.</a:t>
+            </a:r>
+          </a:p>
+          <a:p>
+            <a:r>
+              <a:rPr lang="en-US" dirty="0" smtClean="0"/>
+              <a:t>We have the Android Tablet that confirms the order and send the permit to proceed with the order once the user successfully checks in.</a:t>
+            </a:r>
+          </a:p>
+          <a:p>
+            <a:r>
+              <a:rPr lang="en-US" dirty="0" smtClean="0"/>
+              <a:t>We plan to make use of the M-Commerce (either </a:t>
+            </a:r>
+            <a:r>
+              <a:rPr lang="en-US" dirty="0" err="1" smtClean="0"/>
+              <a:t>Paypal</a:t>
+            </a:r>
+            <a:r>
+              <a:rPr lang="en-US" dirty="0" smtClean="0"/>
+              <a:t> API or our own SSL gateway to process payments) </a:t>
+            </a:r>
+            <a:endParaRPr lang="en-US" dirty="0"/>
+          </a:p>
+        </p:txBody>
+      </p:sp>
+      <p:pic>
+        <p:nvPicPr>
+          <p:cNvPr id="4" name="Picture 3" descr="TechnicalTools.jpg"/>
+          <p:cNvPicPr>
+            <a:picLocks noChangeAspect="1"/>
+          </p:cNvPicPr>
+          <p:nvPr/>
+        </p:nvPicPr>
+        <p:blipFill>
+          <a:blip r:embed="rId2">
+            <a:extLst>
+              <a:ext uri="{28A0092B-C50C-407E-A947-70E740481C1C}">
+                <a14:useLocalDpi xmlns:a14="http://schemas.microsoft.com/office/drawing/2010/main" val="0"/>
+              </a:ext>
+            </a:extLst>
+          </a:blip>
+          <a:stretch>
+            <a:fillRect/>
+          </a:stretch>
+        </p:blipFill>
+        <p:spPr>
+          <a:xfrm>
+            <a:off x="225083" y="-1"/>
+            <a:ext cx="2009670" cy="1768099"/>
+          </a:xfrm>
+          <a:prstGeom prst="rect">
+            <a:avLst/>
+          </a:prstGeom>
+          <a:ln>
+            <a:noFill/>
+          </a:ln>
+          <a:effectLst>
+            <a:softEdge rad="112500"/>
+          </a:effectLst>
+        </p:spPr>
+      </p:pic>
+    </p:spTree>
+    <p:extLst>
+      <p:ext uri="{BB962C8B-B14F-4D97-AF65-F5344CB8AC3E}">
+        <p14:creationId xmlns:p14="http://schemas.microsoft.com/office/powerpoint/2010/main" val="1031283737"/>
+      </p:ext>
+    </p:extLst>
+  </p:cSld>
+  <p:clrMapOvr>
+    <a:masterClrMapping/>
+  </p:clrMapOvr>
+</p:sld>
+</file>
+
+<file path=ppt/slides/slide8.xml><?xml version="1.0" encoding="utf-8"?>
+<p:sld xmlns:a="http://schemas.openxmlformats.org/drawingml/2006/main" xmlns:r="http://schemas.openxmlformats.org/officeDocument/2006/relationships" xmlns:p="http://schemas.openxmlformats.org/presentationml/2006/main">
+  <p:cSld>
+    <p:spTree>
+      <p:nvGrpSpPr>
+        <p:cNvPr id="1" name=""/>
+        <p:cNvGrpSpPr/>
+        <p:nvPr/>
+      </p:nvGrpSpPr>
+      <p:grpSpPr>
+        <a:xfrm>
+          <a:off x="0" y="0"/>
+          <a:ext cx="0" cy="0"/>
+          <a:chOff x="0" y="0"/>
+          <a:chExt cx="0" cy="0"/>
+        </a:xfrm>
+      </p:grpSpPr>
+      <p:sp>
+        <p:nvSpPr>
+          <p:cNvPr id="2" name="Title 1"/>
+          <p:cNvSpPr>
+            <a:spLocks noGrp="1"/>
+          </p:cNvSpPr>
+          <p:nvPr>
+            <p:ph type="title"/>
+          </p:nvPr>
+        </p:nvSpPr>
+        <p:spPr/>
+        <p:txBody>
+          <a:bodyPr/>
+          <a:lstStyle/>
+          <a:p>
+            <a:r>
+              <a:rPr lang="en-US" dirty="0" smtClean="0"/>
+              <a:t>What DID it look like?</a:t>
+            </a:r>
+            <a:endParaRPr lang="en-US" dirty="0"/>
+          </a:p>
+        </p:txBody>
+      </p:sp>
+      <p:sp>
+        <p:nvSpPr>
+          <p:cNvPr id="3" name="Content Placeholder 2"/>
+          <p:cNvSpPr>
+            <a:spLocks noGrp="1"/>
+          </p:cNvSpPr>
+          <p:nvPr>
+            <p:ph idx="1"/>
+          </p:nvPr>
+        </p:nvSpPr>
+        <p:spPr/>
+        <p:txBody>
+          <a:bodyPr/>
+          <a:lstStyle/>
+          <a:p>
+            <a:r>
+              <a:rPr lang="en-US" dirty="0" smtClean="0"/>
+              <a:t>Put important white board </a:t>
+            </a:r>
+            <a:r>
+              <a:rPr lang="en-US" dirty="0" err="1" smtClean="0"/>
+              <a:t>pics</a:t>
+            </a:r>
+            <a:r>
+              <a:rPr lang="en-US" dirty="0" smtClean="0"/>
+              <a:t> from prototype that show basic function.</a:t>
+            </a:r>
+            <a:endParaRPr lang="en-US" dirty="0"/>
+          </a:p>
+        </p:txBody>
+      </p:sp>
+    </p:spTree>
+    <p:extLst>
+      <p:ext uri="{BB962C8B-B14F-4D97-AF65-F5344CB8AC3E}">
+        <p14:creationId xmlns:p14="http://schemas.microsoft.com/office/powerpoint/2010/main" val="3358548829"/>
+      </p:ext>
+    </p:extLst>
+  </p:cSld>
+  <p:clrMapOvr>
+    <a:masterClrMapping/>
+  </p:clrMapOvr>
+</p:sld>
+</file>
+
+<file path=ppt/slides/slide9.xml><?xml version="1.0" encoding="utf-8"?>
+<p:sld xmlns:a="http://schemas.openxmlformats.org/drawingml/2006/main" xmlns:r="http://schemas.openxmlformats.org/officeDocument/2006/relationships" xmlns:p="http://schemas.openxmlformats.org/presentationml/2006/main">
+  <p:cSld>
+    <p:spTree>
+      <p:nvGrpSpPr>
+        <p:cNvPr id="1" name=""/>
+        <p:cNvGrpSpPr/>
+        <p:nvPr/>
+      </p:nvGrpSpPr>
+      <p:grpSpPr>
+        <a:xfrm>
+          <a:off x="0" y="0"/>
+          <a:ext cx="0" cy="0"/>
+          <a:chOff x="0" y="0"/>
+          <a:chExt cx="0" cy="0"/>
+        </a:xfrm>
+      </p:grpSpPr>
+      <p:sp>
+        <p:nvSpPr>
+          <p:cNvPr id="2" name="Title 1"/>
+          <p:cNvSpPr>
+            <a:spLocks noGrp="1"/>
+          </p:cNvSpPr>
+          <p:nvPr>
+            <p:ph type="title"/>
+          </p:nvPr>
+        </p:nvSpPr>
+        <p:spPr/>
+        <p:txBody>
+          <a:bodyPr/>
+          <a:lstStyle/>
+          <a:p>
+            <a:r>
+              <a:rPr lang="en-US" dirty="0" smtClean="0"/>
+              <a:t>What DOES it look like?</a:t>
+            </a:r>
+            <a:endParaRPr lang="en-US" dirty="0"/>
+          </a:p>
+        </p:txBody>
+      </p:sp>
+      <p:sp>
+        <p:nvSpPr>
+          <p:cNvPr id="3" name="Content Placeholder 2"/>
+          <p:cNvSpPr>
+            <a:spLocks noGrp="1"/>
+          </p:cNvSpPr>
+          <p:nvPr>
+            <p:ph idx="1"/>
+          </p:nvPr>
+        </p:nvSpPr>
+        <p:spPr/>
+        <p:txBody>
+          <a:bodyPr/>
+          <a:lstStyle/>
+          <a:p>
+            <a:r>
+              <a:rPr lang="en-US" dirty="0" smtClean="0"/>
+              <a:t>Import screen shots from phone and tablet.</a:t>
+            </a:r>
+            <a:endParaRPr lang="en-US" dirty="0"/>
+          </a:p>
+        </p:txBody>
+      </p:sp>
+    </p:spTree>
+    <p:extLst>
+      <p:ext uri="{BB962C8B-B14F-4D97-AF65-F5344CB8AC3E}">
+        <p14:creationId xmlns:p14="http://schemas.microsoft.com/office/powerpoint/2010/main" val="379047616"/>
+      </p:ext>
+    </p:extLst>
+  </p:cSld>
+  <p:clrMapOvr>
+    <a:masterClrMapping/>
+  </p:clrMapOvr>
 </p:sld>
 </file>
 
